--- a/docs/diagrams/HighLevelSequenceDiagrams.pptx
+++ b/docs/diagrams/HighLevelSequenceDiagrams.pptx
@@ -107,6 +107,22 @@
       </a:defRPr>
     </a:lvl9pPr>
   </p:defaultTextStyle>
+  <p:extLst>
+    <p:ext uri="{EFAFB233-063F-42B5-8137-9DF3F51BA10A}">
+      <p15:sldGuideLst xmlns:p15="http://schemas.microsoft.com/office/powerpoint/2012/main">
+        <p15:guide id="1" orient="horz" pos="1488">
+          <p15:clr>
+            <a:srgbClr val="A4A3A4"/>
+          </p15:clr>
+        </p15:guide>
+        <p15:guide id="2" pos="2880">
+          <p15:clr>
+            <a:srgbClr val="A4A3A4"/>
+          </p15:clr>
+        </p15:guide>
+      </p15:sldGuideLst>
+    </p:ext>
+  </p:extLst>
 </p:presentation>
 </file>
 
@@ -192,7 +208,7 @@
           <a:p>
             <a:fld id="{F5CC4B3F-88C1-4FFA-B1B6-F41C21DC6924}" type="datetimeFigureOut">
               <a:rPr lang="en-US" smtClean="0"/>
-              <a:t>10/16/2016</a:t>
+              <a:t>3/6/2018</a:t>
             </a:fld>
             <a:endParaRPr lang="en-US"/>
           </a:p>
@@ -256,38 +272,37 @@
           <a:p>
             <a:pPr lvl="0"/>
             <a:r>
-              <a:rPr lang="en-US" smtClean="0"/>
+              <a:rPr lang="en-US"/>
               <a:t>Click to edit Master text styles</a:t>
             </a:r>
           </a:p>
           <a:p>
             <a:pPr lvl="1"/>
             <a:r>
-              <a:rPr lang="en-US" smtClean="0"/>
+              <a:rPr lang="en-US"/>
               <a:t>Second level</a:t>
             </a:r>
           </a:p>
           <a:p>
             <a:pPr lvl="2"/>
             <a:r>
-              <a:rPr lang="en-US" smtClean="0"/>
+              <a:rPr lang="en-US"/>
               <a:t>Third level</a:t>
             </a:r>
           </a:p>
           <a:p>
             <a:pPr lvl="3"/>
             <a:r>
-              <a:rPr lang="en-US" smtClean="0"/>
+              <a:rPr lang="en-US"/>
               <a:t>Fourth level</a:t>
             </a:r>
           </a:p>
           <a:p>
             <a:pPr lvl="4"/>
             <a:r>
-              <a:rPr lang="en-US" smtClean="0"/>
+              <a:rPr lang="en-US"/>
               <a:t>Fifth level</a:t>
             </a:r>
-            <a:endParaRPr lang="en-US"/>
           </a:p>
         </p:txBody>
       </p:sp>
@@ -498,10 +513,9 @@
           <a:lstStyle/>
           <a:p>
             <a:r>
-              <a:rPr lang="en-US" smtClean="0"/>
+              <a:rPr lang="en-US"/>
               <a:t>Click to edit Master title style</a:t>
             </a:r>
-            <a:endParaRPr lang="en-US"/>
           </a:p>
         </p:txBody>
       </p:sp>
@@ -617,10 +631,9 @@
           </a:lstStyle>
           <a:p>
             <a:r>
-              <a:rPr lang="en-US" smtClean="0"/>
+              <a:rPr lang="en-US"/>
               <a:t>Click to edit Master subtitle style</a:t>
             </a:r>
-            <a:endParaRPr lang="en-US"/>
           </a:p>
         </p:txBody>
       </p:sp>
@@ -641,7 +654,7 @@
           <a:p>
             <a:fld id="{78C97017-6FC3-485B-9764-EAC9E56C1D49}" type="datetimeFigureOut">
               <a:rPr lang="en-US" smtClean="0"/>
-              <a:t>10/16/2016</a:t>
+              <a:t>3/6/2018</a:t>
             </a:fld>
             <a:endParaRPr lang="en-US"/>
           </a:p>
@@ -735,10 +748,9 @@
           <a:lstStyle/>
           <a:p>
             <a:r>
-              <a:rPr lang="en-US" smtClean="0"/>
+              <a:rPr lang="en-US"/>
               <a:t>Click to edit Master title style</a:t>
             </a:r>
-            <a:endParaRPr lang="en-US"/>
           </a:p>
         </p:txBody>
       </p:sp>
@@ -759,38 +771,37 @@
           <a:p>
             <a:pPr lvl="0"/>
             <a:r>
-              <a:rPr lang="en-US" smtClean="0"/>
+              <a:rPr lang="en-US"/>
               <a:t>Click to edit Master text styles</a:t>
             </a:r>
           </a:p>
           <a:p>
             <a:pPr lvl="1"/>
             <a:r>
-              <a:rPr lang="en-US" smtClean="0"/>
+              <a:rPr lang="en-US"/>
               <a:t>Second level</a:t>
             </a:r>
           </a:p>
           <a:p>
             <a:pPr lvl="2"/>
             <a:r>
-              <a:rPr lang="en-US" smtClean="0"/>
+              <a:rPr lang="en-US"/>
               <a:t>Third level</a:t>
             </a:r>
           </a:p>
           <a:p>
             <a:pPr lvl="3"/>
             <a:r>
-              <a:rPr lang="en-US" smtClean="0"/>
+              <a:rPr lang="en-US"/>
               <a:t>Fourth level</a:t>
             </a:r>
           </a:p>
           <a:p>
             <a:pPr lvl="4"/>
             <a:r>
-              <a:rPr lang="en-US" smtClean="0"/>
+              <a:rPr lang="en-US"/>
               <a:t>Fifth level</a:t>
             </a:r>
-            <a:endParaRPr lang="en-US"/>
           </a:p>
         </p:txBody>
       </p:sp>
@@ -811,7 +822,7 @@
           <a:p>
             <a:fld id="{78C97017-6FC3-485B-9764-EAC9E56C1D49}" type="datetimeFigureOut">
               <a:rPr lang="en-US" smtClean="0"/>
-              <a:t>10/16/2016</a:t>
+              <a:t>3/6/2018</a:t>
             </a:fld>
             <a:endParaRPr lang="en-US"/>
           </a:p>
@@ -910,10 +921,9 @@
           <a:lstStyle/>
           <a:p>
             <a:r>
-              <a:rPr lang="en-US" smtClean="0"/>
+              <a:rPr lang="en-US"/>
               <a:t>Click to edit Master title style</a:t>
             </a:r>
-            <a:endParaRPr lang="en-US"/>
           </a:p>
         </p:txBody>
       </p:sp>
@@ -939,38 +949,37 @@
           <a:p>
             <a:pPr lvl="0"/>
             <a:r>
-              <a:rPr lang="en-US" smtClean="0"/>
+              <a:rPr lang="en-US"/>
               <a:t>Click to edit Master text styles</a:t>
             </a:r>
           </a:p>
           <a:p>
             <a:pPr lvl="1"/>
             <a:r>
-              <a:rPr lang="en-US" smtClean="0"/>
+              <a:rPr lang="en-US"/>
               <a:t>Second level</a:t>
             </a:r>
           </a:p>
           <a:p>
             <a:pPr lvl="2"/>
             <a:r>
-              <a:rPr lang="en-US" smtClean="0"/>
+              <a:rPr lang="en-US"/>
               <a:t>Third level</a:t>
             </a:r>
           </a:p>
           <a:p>
             <a:pPr lvl="3"/>
             <a:r>
-              <a:rPr lang="en-US" smtClean="0"/>
+              <a:rPr lang="en-US"/>
               <a:t>Fourth level</a:t>
             </a:r>
           </a:p>
           <a:p>
             <a:pPr lvl="4"/>
             <a:r>
-              <a:rPr lang="en-US" smtClean="0"/>
+              <a:rPr lang="en-US"/>
               <a:t>Fifth level</a:t>
             </a:r>
-            <a:endParaRPr lang="en-US"/>
           </a:p>
         </p:txBody>
       </p:sp>
@@ -991,7 +1000,7 @@
           <a:p>
             <a:fld id="{78C97017-6FC3-485B-9764-EAC9E56C1D49}" type="datetimeFigureOut">
               <a:rPr lang="en-US" smtClean="0"/>
-              <a:t>10/16/2016</a:t>
+              <a:t>3/6/2018</a:t>
             </a:fld>
             <a:endParaRPr lang="en-US"/>
           </a:p>
@@ -1085,10 +1094,9 @@
           <a:lstStyle/>
           <a:p>
             <a:r>
-              <a:rPr lang="en-US" smtClean="0"/>
+              <a:rPr lang="en-US"/>
               <a:t>Click to edit Master title style</a:t>
             </a:r>
-            <a:endParaRPr lang="en-US"/>
           </a:p>
         </p:txBody>
       </p:sp>
@@ -1109,38 +1117,37 @@
           <a:p>
             <a:pPr lvl="0"/>
             <a:r>
-              <a:rPr lang="en-US" smtClean="0"/>
+              <a:rPr lang="en-US"/>
               <a:t>Click to edit Master text styles</a:t>
             </a:r>
           </a:p>
           <a:p>
             <a:pPr lvl="1"/>
             <a:r>
-              <a:rPr lang="en-US" smtClean="0"/>
+              <a:rPr lang="en-US"/>
               <a:t>Second level</a:t>
             </a:r>
           </a:p>
           <a:p>
             <a:pPr lvl="2"/>
             <a:r>
-              <a:rPr lang="en-US" smtClean="0"/>
+              <a:rPr lang="en-US"/>
               <a:t>Third level</a:t>
             </a:r>
           </a:p>
           <a:p>
             <a:pPr lvl="3"/>
             <a:r>
-              <a:rPr lang="en-US" smtClean="0"/>
+              <a:rPr lang="en-US"/>
               <a:t>Fourth level</a:t>
             </a:r>
           </a:p>
           <a:p>
             <a:pPr lvl="4"/>
             <a:r>
-              <a:rPr lang="en-US" smtClean="0"/>
+              <a:rPr lang="en-US"/>
               <a:t>Fifth level</a:t>
             </a:r>
-            <a:endParaRPr lang="en-US"/>
           </a:p>
         </p:txBody>
       </p:sp>
@@ -1161,7 +1168,7 @@
           <a:p>
             <a:fld id="{78C97017-6FC3-485B-9764-EAC9E56C1D49}" type="datetimeFigureOut">
               <a:rPr lang="en-US" smtClean="0"/>
-              <a:t>10/16/2016</a:t>
+              <a:t>3/6/2018</a:t>
             </a:fld>
             <a:endParaRPr lang="en-US"/>
           </a:p>
@@ -1264,10 +1271,9 @@
           </a:lstStyle>
           <a:p>
             <a:r>
-              <a:rPr lang="en-US" smtClean="0"/>
+              <a:rPr lang="en-US"/>
               <a:t>Click to edit Master title style</a:t>
             </a:r>
-            <a:endParaRPr lang="en-US"/>
           </a:p>
         </p:txBody>
       </p:sp>
@@ -1384,7 +1390,7 @@
           <a:p>
             <a:pPr lvl="0"/>
             <a:r>
-              <a:rPr lang="en-US" smtClean="0"/>
+              <a:rPr lang="en-US"/>
               <a:t>Click to edit Master text styles</a:t>
             </a:r>
           </a:p>
@@ -1407,7 +1413,7 @@
           <a:p>
             <a:fld id="{78C97017-6FC3-485B-9764-EAC9E56C1D49}" type="datetimeFigureOut">
               <a:rPr lang="en-US" smtClean="0"/>
-              <a:t>10/16/2016</a:t>
+              <a:t>3/6/2018</a:t>
             </a:fld>
             <a:endParaRPr lang="en-US"/>
           </a:p>
@@ -1501,10 +1507,9 @@
           <a:lstStyle/>
           <a:p>
             <a:r>
-              <a:rPr lang="en-US" smtClean="0"/>
+              <a:rPr lang="en-US"/>
               <a:t>Click to edit Master title style</a:t>
             </a:r>
-            <a:endParaRPr lang="en-US"/>
           </a:p>
         </p:txBody>
       </p:sp>
@@ -1558,38 +1563,37 @@
           <a:p>
             <a:pPr lvl="0"/>
             <a:r>
-              <a:rPr lang="en-US" smtClean="0"/>
+              <a:rPr lang="en-US"/>
               <a:t>Click to edit Master text styles</a:t>
             </a:r>
           </a:p>
           <a:p>
             <a:pPr lvl="1"/>
             <a:r>
-              <a:rPr lang="en-US" smtClean="0"/>
+              <a:rPr lang="en-US"/>
               <a:t>Second level</a:t>
             </a:r>
           </a:p>
           <a:p>
             <a:pPr lvl="2"/>
             <a:r>
-              <a:rPr lang="en-US" smtClean="0"/>
+              <a:rPr lang="en-US"/>
               <a:t>Third level</a:t>
             </a:r>
           </a:p>
           <a:p>
             <a:pPr lvl="3"/>
             <a:r>
-              <a:rPr lang="en-US" smtClean="0"/>
+              <a:rPr lang="en-US"/>
               <a:t>Fourth level</a:t>
             </a:r>
           </a:p>
           <a:p>
             <a:pPr lvl="4"/>
             <a:r>
-              <a:rPr lang="en-US" smtClean="0"/>
+              <a:rPr lang="en-US"/>
               <a:t>Fifth level</a:t>
             </a:r>
-            <a:endParaRPr lang="en-US"/>
           </a:p>
         </p:txBody>
       </p:sp>
@@ -1643,38 +1647,37 @@
           <a:p>
             <a:pPr lvl="0"/>
             <a:r>
-              <a:rPr lang="en-US" smtClean="0"/>
+              <a:rPr lang="en-US"/>
               <a:t>Click to edit Master text styles</a:t>
             </a:r>
           </a:p>
           <a:p>
             <a:pPr lvl="1"/>
             <a:r>
-              <a:rPr lang="en-US" smtClean="0"/>
+              <a:rPr lang="en-US"/>
               <a:t>Second level</a:t>
             </a:r>
           </a:p>
           <a:p>
             <a:pPr lvl="2"/>
             <a:r>
-              <a:rPr lang="en-US" smtClean="0"/>
+              <a:rPr lang="en-US"/>
               <a:t>Third level</a:t>
             </a:r>
           </a:p>
           <a:p>
             <a:pPr lvl="3"/>
             <a:r>
-              <a:rPr lang="en-US" smtClean="0"/>
+              <a:rPr lang="en-US"/>
               <a:t>Fourth level</a:t>
             </a:r>
           </a:p>
           <a:p>
             <a:pPr lvl="4"/>
             <a:r>
-              <a:rPr lang="en-US" smtClean="0"/>
+              <a:rPr lang="en-US"/>
               <a:t>Fifth level</a:t>
             </a:r>
-            <a:endParaRPr lang="en-US"/>
           </a:p>
         </p:txBody>
       </p:sp>
@@ -1695,7 +1698,7 @@
           <a:p>
             <a:fld id="{78C97017-6FC3-485B-9764-EAC9E56C1D49}" type="datetimeFigureOut">
               <a:rPr lang="en-US" smtClean="0"/>
-              <a:t>10/16/2016</a:t>
+              <a:t>3/6/2018</a:t>
             </a:fld>
             <a:endParaRPr lang="en-US"/>
           </a:p>
@@ -1793,10 +1796,9 @@
           </a:lstStyle>
           <a:p>
             <a:r>
-              <a:rPr lang="en-US" smtClean="0"/>
+              <a:rPr lang="en-US"/>
               <a:t>Click to edit Master title style</a:t>
             </a:r>
-            <a:endParaRPr lang="en-US"/>
           </a:p>
         </p:txBody>
       </p:sp>
@@ -1859,7 +1861,7 @@
           <a:p>
             <a:pPr lvl="0"/>
             <a:r>
-              <a:rPr lang="en-US" smtClean="0"/>
+              <a:rPr lang="en-US"/>
               <a:t>Click to edit Master text styles</a:t>
             </a:r>
           </a:p>
@@ -1915,38 +1917,37 @@
           <a:p>
             <a:pPr lvl="0"/>
             <a:r>
-              <a:rPr lang="en-US" smtClean="0"/>
+              <a:rPr lang="en-US"/>
               <a:t>Click to edit Master text styles</a:t>
             </a:r>
           </a:p>
           <a:p>
             <a:pPr lvl="1"/>
             <a:r>
-              <a:rPr lang="en-US" smtClean="0"/>
+              <a:rPr lang="en-US"/>
               <a:t>Second level</a:t>
             </a:r>
           </a:p>
           <a:p>
             <a:pPr lvl="2"/>
             <a:r>
-              <a:rPr lang="en-US" smtClean="0"/>
+              <a:rPr lang="en-US"/>
               <a:t>Third level</a:t>
             </a:r>
           </a:p>
           <a:p>
             <a:pPr lvl="3"/>
             <a:r>
-              <a:rPr lang="en-US" smtClean="0"/>
+              <a:rPr lang="en-US"/>
               <a:t>Fourth level</a:t>
             </a:r>
           </a:p>
           <a:p>
             <a:pPr lvl="4"/>
             <a:r>
-              <a:rPr lang="en-US" smtClean="0"/>
+              <a:rPr lang="en-US"/>
               <a:t>Fifth level</a:t>
             </a:r>
-            <a:endParaRPr lang="en-US"/>
           </a:p>
         </p:txBody>
       </p:sp>
@@ -2009,7 +2010,7 @@
           <a:p>
             <a:pPr lvl="0"/>
             <a:r>
-              <a:rPr lang="en-US" smtClean="0"/>
+              <a:rPr lang="en-US"/>
               <a:t>Click to edit Master text styles</a:t>
             </a:r>
           </a:p>
@@ -2065,38 +2066,37 @@
           <a:p>
             <a:pPr lvl="0"/>
             <a:r>
-              <a:rPr lang="en-US" smtClean="0"/>
+              <a:rPr lang="en-US"/>
               <a:t>Click to edit Master text styles</a:t>
             </a:r>
           </a:p>
           <a:p>
             <a:pPr lvl="1"/>
             <a:r>
-              <a:rPr lang="en-US" smtClean="0"/>
+              <a:rPr lang="en-US"/>
               <a:t>Second level</a:t>
             </a:r>
           </a:p>
           <a:p>
             <a:pPr lvl="2"/>
             <a:r>
-              <a:rPr lang="en-US" smtClean="0"/>
+              <a:rPr lang="en-US"/>
               <a:t>Third level</a:t>
             </a:r>
           </a:p>
           <a:p>
             <a:pPr lvl="3"/>
             <a:r>
-              <a:rPr lang="en-US" smtClean="0"/>
+              <a:rPr lang="en-US"/>
               <a:t>Fourth level</a:t>
             </a:r>
           </a:p>
           <a:p>
             <a:pPr lvl="4"/>
             <a:r>
-              <a:rPr lang="en-US" smtClean="0"/>
+              <a:rPr lang="en-US"/>
               <a:t>Fifth level</a:t>
             </a:r>
-            <a:endParaRPr lang="en-US"/>
           </a:p>
         </p:txBody>
       </p:sp>
@@ -2117,7 +2117,7 @@
           <a:p>
             <a:fld id="{78C97017-6FC3-485B-9764-EAC9E56C1D49}" type="datetimeFigureOut">
               <a:rPr lang="en-US" smtClean="0"/>
-              <a:t>10/16/2016</a:t>
+              <a:t>3/6/2018</a:t>
             </a:fld>
             <a:endParaRPr lang="en-US"/>
           </a:p>
@@ -2211,10 +2211,9 @@
           <a:lstStyle/>
           <a:p>
             <a:r>
-              <a:rPr lang="en-US" smtClean="0"/>
+              <a:rPr lang="en-US"/>
               <a:t>Click to edit Master title style</a:t>
             </a:r>
-            <a:endParaRPr lang="en-US"/>
           </a:p>
         </p:txBody>
       </p:sp>
@@ -2235,7 +2234,7 @@
           <a:p>
             <a:fld id="{78C97017-6FC3-485B-9764-EAC9E56C1D49}" type="datetimeFigureOut">
               <a:rPr lang="en-US" smtClean="0"/>
-              <a:t>10/16/2016</a:t>
+              <a:t>3/6/2018</a:t>
             </a:fld>
             <a:endParaRPr lang="en-US"/>
           </a:p>
@@ -2330,7 +2329,7 @@
           <a:p>
             <a:fld id="{78C97017-6FC3-485B-9764-EAC9E56C1D49}" type="datetimeFigureOut">
               <a:rPr lang="en-US" smtClean="0"/>
-              <a:t>10/16/2016</a:t>
+              <a:t>3/6/2018</a:t>
             </a:fld>
             <a:endParaRPr lang="en-US"/>
           </a:p>
@@ -2433,10 +2432,9 @@
           </a:lstStyle>
           <a:p>
             <a:r>
-              <a:rPr lang="en-US" smtClean="0"/>
+              <a:rPr lang="en-US"/>
               <a:t>Click to edit Master title style</a:t>
             </a:r>
-            <a:endParaRPr lang="en-US"/>
           </a:p>
         </p:txBody>
       </p:sp>
@@ -2490,38 +2488,37 @@
           <a:p>
             <a:pPr lvl="0"/>
             <a:r>
-              <a:rPr lang="en-US" smtClean="0"/>
+              <a:rPr lang="en-US"/>
               <a:t>Click to edit Master text styles</a:t>
             </a:r>
           </a:p>
           <a:p>
             <a:pPr lvl="1"/>
             <a:r>
-              <a:rPr lang="en-US" smtClean="0"/>
+              <a:rPr lang="en-US"/>
               <a:t>Second level</a:t>
             </a:r>
           </a:p>
           <a:p>
             <a:pPr lvl="2"/>
             <a:r>
-              <a:rPr lang="en-US" smtClean="0"/>
+              <a:rPr lang="en-US"/>
               <a:t>Third level</a:t>
             </a:r>
           </a:p>
           <a:p>
             <a:pPr lvl="3"/>
             <a:r>
-              <a:rPr lang="en-US" smtClean="0"/>
+              <a:rPr lang="en-US"/>
               <a:t>Fourth level</a:t>
             </a:r>
           </a:p>
           <a:p>
             <a:pPr lvl="4"/>
             <a:r>
-              <a:rPr lang="en-US" smtClean="0"/>
+              <a:rPr lang="en-US"/>
               <a:t>Fifth level</a:t>
             </a:r>
-            <a:endParaRPr lang="en-US"/>
           </a:p>
         </p:txBody>
       </p:sp>
@@ -2584,7 +2581,7 @@
           <a:p>
             <a:pPr lvl="0"/>
             <a:r>
-              <a:rPr lang="en-US" smtClean="0"/>
+              <a:rPr lang="en-US"/>
               <a:t>Click to edit Master text styles</a:t>
             </a:r>
           </a:p>
@@ -2607,7 +2604,7 @@
           <a:p>
             <a:fld id="{78C97017-6FC3-485B-9764-EAC9E56C1D49}" type="datetimeFigureOut">
               <a:rPr lang="en-US" smtClean="0"/>
-              <a:t>10/16/2016</a:t>
+              <a:t>3/6/2018</a:t>
             </a:fld>
             <a:endParaRPr lang="en-US"/>
           </a:p>
@@ -2710,10 +2707,9 @@
           </a:lstStyle>
           <a:p>
             <a:r>
-              <a:rPr lang="en-US" smtClean="0"/>
+              <a:rPr lang="en-US"/>
               <a:t>Click to edit Master title style</a:t>
             </a:r>
-            <a:endParaRPr lang="en-US"/>
           </a:p>
         </p:txBody>
       </p:sp>
@@ -2837,7 +2833,7 @@
           <a:p>
             <a:pPr lvl="0"/>
             <a:r>
-              <a:rPr lang="en-US" smtClean="0"/>
+              <a:rPr lang="en-US"/>
               <a:t>Click to edit Master text styles</a:t>
             </a:r>
           </a:p>
@@ -2860,7 +2856,7 @@
           <a:p>
             <a:fld id="{78C97017-6FC3-485B-9764-EAC9E56C1D49}" type="datetimeFigureOut">
               <a:rPr lang="en-US" smtClean="0"/>
-              <a:t>10/16/2016</a:t>
+              <a:t>3/6/2018</a:t>
             </a:fld>
             <a:endParaRPr lang="en-US"/>
           </a:p>
@@ -2969,10 +2965,9 @@
           <a:lstStyle/>
           <a:p>
             <a:r>
-              <a:rPr lang="en-US" smtClean="0"/>
+              <a:rPr lang="en-US"/>
               <a:t>Click to edit Master title style</a:t>
             </a:r>
-            <a:endParaRPr lang="en-US"/>
           </a:p>
         </p:txBody>
       </p:sp>
@@ -3003,38 +2998,37 @@
           <a:p>
             <a:pPr lvl="0"/>
             <a:r>
-              <a:rPr lang="en-US" smtClean="0"/>
+              <a:rPr lang="en-US"/>
               <a:t>Click to edit Master text styles</a:t>
             </a:r>
           </a:p>
           <a:p>
             <a:pPr lvl="1"/>
             <a:r>
-              <a:rPr lang="en-US" smtClean="0"/>
+              <a:rPr lang="en-US"/>
               <a:t>Second level</a:t>
             </a:r>
           </a:p>
           <a:p>
             <a:pPr lvl="2"/>
             <a:r>
-              <a:rPr lang="en-US" smtClean="0"/>
+              <a:rPr lang="en-US"/>
               <a:t>Third level</a:t>
             </a:r>
           </a:p>
           <a:p>
             <a:pPr lvl="3"/>
             <a:r>
-              <a:rPr lang="en-US" smtClean="0"/>
+              <a:rPr lang="en-US"/>
               <a:t>Fourth level</a:t>
             </a:r>
           </a:p>
           <a:p>
             <a:pPr lvl="4"/>
             <a:r>
-              <a:rPr lang="en-US" smtClean="0"/>
+              <a:rPr lang="en-US"/>
               <a:t>Fifth level</a:t>
             </a:r>
-            <a:endParaRPr lang="en-US"/>
           </a:p>
         </p:txBody>
       </p:sp>
@@ -3073,7 +3067,7 @@
           <a:p>
             <a:fld id="{78C97017-6FC3-485B-9764-EAC9E56C1D49}" type="datetimeFigureOut">
               <a:rPr lang="en-US" smtClean="0"/>
-              <a:t>10/16/2016</a:t>
+              <a:t>3/6/2018</a:t>
             </a:fld>
             <a:endParaRPr lang="en-US"/>
           </a:p>
@@ -3492,7 +3486,7 @@
           <a:p>
             <a:pPr algn="ctr"/>
             <a:r>
-              <a:rPr lang="en-US" sz="1600" dirty="0" smtClean="0">
+              <a:rPr lang="en-US" sz="1600" dirty="0">
                 <a:solidFill>
                   <a:schemeClr val="bg1"/>
                 </a:solidFill>
@@ -3856,7 +3850,7 @@
           <a:p>
             <a:pPr algn="ctr"/>
             <a:r>
-              <a:rPr lang="en-US" sz="1600" dirty="0" smtClean="0">
+              <a:rPr lang="en-US" sz="1600" dirty="0">
                 <a:solidFill>
                   <a:schemeClr val="bg1"/>
                 </a:solidFill>
@@ -4003,7 +3997,7 @@
           <a:p>
             <a:pPr algn="ctr"/>
             <a:r>
-              <a:rPr lang="en-US" sz="1600" dirty="0" smtClean="0">
+              <a:rPr lang="en-US" sz="1600" dirty="0">
                 <a:solidFill>
                   <a:schemeClr val="bg1"/>
                 </a:solidFill>
@@ -4165,10 +4159,9 @@
           <a:lstStyle/>
           <a:p>
             <a:r>
-              <a:rPr lang="en-US" sz="1400" dirty="0" smtClean="0"/>
+              <a:rPr lang="en-US" sz="1400" dirty="0"/>
               <a:t>delete 1</a:t>
             </a:r>
-            <a:endParaRPr lang="en-US" sz="1400" dirty="0"/>
           </a:p>
         </p:txBody>
       </p:sp>
@@ -4231,18 +4224,13 @@
           <a:lstStyle/>
           <a:p>
             <a:r>
-              <a:rPr lang="en-US" sz="1400" dirty="0" smtClean="0">
+              <a:rPr lang="en-US" sz="1400" dirty="0">
                 <a:solidFill>
                   <a:srgbClr val="0070C0"/>
                 </a:solidFill>
               </a:rPr>
               <a:t>execute(“delete 1”)</a:t>
             </a:r>
-            <a:endParaRPr lang="en-US" sz="1400" dirty="0">
-              <a:solidFill>
-                <a:srgbClr val="0070C0"/>
-              </a:solidFill>
-            </a:endParaRPr>
           </a:p>
         </p:txBody>
       </p:sp>
@@ -4305,26 +4293,21 @@
           <a:lstStyle/>
           <a:p>
             <a:r>
-              <a:rPr lang="en-US" sz="1400" dirty="0" err="1" smtClean="0">
+              <a:rPr lang="en-US" sz="1400" dirty="0" err="1">
                 <a:solidFill>
                   <a:srgbClr val="7030A0"/>
                 </a:solidFill>
               </a:rPr>
-              <a:t>deletePerson</a:t>
-            </a:r>
-            <a:r>
-              <a:rPr lang="en-US" sz="1400" dirty="0" smtClean="0">
+              <a:t>deleteCinema</a:t>
+            </a:r>
+            <a:r>
+              <a:rPr lang="en-US" sz="1400" dirty="0">
                 <a:solidFill>
                   <a:srgbClr val="7030A0"/>
                 </a:solidFill>
               </a:rPr>
-              <a:t>(p)</a:t>
-            </a:r>
-            <a:endParaRPr lang="en-US" sz="1400" dirty="0">
-              <a:solidFill>
-                <a:srgbClr val="7030A0"/>
-              </a:solidFill>
-            </a:endParaRPr>
+              <a:t>(c)</a:t>
+            </a:r>
           </a:p>
         </p:txBody>
       </p:sp>
@@ -4351,7 +4334,7 @@
           <a:lstStyle/>
           <a:p>
             <a:r>
-              <a:rPr lang="en-US" sz="1400" dirty="0" smtClean="0">
+              <a:rPr lang="en-US" sz="1400" dirty="0">
                 <a:solidFill>
                   <a:schemeClr val="accent5">
                     <a:lumMod val="75000"/>
@@ -4361,7 +4344,7 @@
               <a:t>post(</a:t>
             </a:r>
             <a:r>
-              <a:rPr lang="en-US" sz="1400" dirty="0" err="1" smtClean="0">
+              <a:rPr lang="en-US" sz="1400" dirty="0" err="1">
                 <a:solidFill>
                   <a:schemeClr val="accent5">
                     <a:lumMod val="75000"/>
@@ -4371,7 +4354,7 @@
               <a:t>AddressBookChangedEvent</a:t>
             </a:r>
             <a:r>
-              <a:rPr lang="en-US" sz="1400" dirty="0" smtClean="0">
+              <a:rPr lang="en-US" sz="1400" dirty="0">
                 <a:solidFill>
                   <a:schemeClr val="accent5">
                     <a:lumMod val="75000"/>
@@ -4380,13 +4363,6 @@
               </a:rPr>
               <a:t>)</a:t>
             </a:r>
-            <a:endParaRPr lang="en-US" sz="1400" dirty="0">
-              <a:solidFill>
-                <a:schemeClr val="accent5">
-                  <a:lumMod val="75000"/>
-                </a:schemeClr>
-              </a:solidFill>
-            </a:endParaRPr>
           </a:p>
         </p:txBody>
       </p:sp>
@@ -4552,7 +4528,7 @@
           <a:p>
             <a:pPr algn="ctr"/>
             <a:r>
-              <a:rPr lang="en-US" sz="1600" dirty="0" smtClean="0">
+              <a:rPr lang="en-US" sz="1600" dirty="0">
                 <a:solidFill>
                   <a:schemeClr val="bg1"/>
                 </a:solidFill>
@@ -4560,7 +4536,7 @@
               <a:t>:</a:t>
             </a:r>
             <a:r>
-              <a:rPr lang="en-US" sz="1600" dirty="0" err="1" smtClean="0">
+              <a:rPr lang="en-US" sz="1600" dirty="0" err="1">
                 <a:solidFill>
                   <a:schemeClr val="bg1"/>
                 </a:solidFill>
@@ -4793,7 +4769,7 @@
           <a:p>
             <a:pPr algn="ctr"/>
             <a:r>
-              <a:rPr lang="en-US" sz="1600" dirty="0" smtClean="0">
+              <a:rPr lang="en-US" sz="1600" dirty="0">
                 <a:solidFill>
                   <a:schemeClr val="bg1"/>
                 </a:solidFill>
@@ -4925,7 +4901,7 @@
           <a:lstStyle/>
           <a:p>
             <a:r>
-              <a:rPr lang="en-US" sz="1400" dirty="0" smtClean="0">
+              <a:rPr lang="en-US" sz="1400" dirty="0">
                 <a:solidFill>
                   <a:schemeClr val="accent5">
                     <a:lumMod val="75000"/>
@@ -4935,7 +4911,7 @@
               <a:t>post(</a:t>
             </a:r>
             <a:r>
-              <a:rPr lang="en-US" sz="1400" dirty="0" err="1" smtClean="0">
+              <a:rPr lang="en-US" sz="1400" dirty="0" err="1">
                 <a:solidFill>
                   <a:schemeClr val="accent5">
                     <a:lumMod val="75000"/>
@@ -4945,7 +4921,7 @@
               <a:t>AddressBookChangedEvent</a:t>
             </a:r>
             <a:r>
-              <a:rPr lang="en-US" sz="1400" dirty="0" smtClean="0">
+              <a:rPr lang="en-US" sz="1400" dirty="0">
                 <a:solidFill>
                   <a:schemeClr val="accent5">
                     <a:lumMod val="75000"/>
@@ -4954,13 +4930,6 @@
               </a:rPr>
               <a:t>)</a:t>
             </a:r>
-            <a:endParaRPr lang="en-US" sz="1400" dirty="0">
-              <a:solidFill>
-                <a:schemeClr val="accent5">
-                  <a:lumMod val="75000"/>
-                </a:schemeClr>
-              </a:solidFill>
-            </a:endParaRPr>
           </a:p>
         </p:txBody>
       </p:sp>
@@ -5052,7 +5021,7 @@
           <a:p>
             <a:pPr algn="ctr"/>
             <a:r>
-              <a:rPr lang="en-US" sz="1600" dirty="0" smtClean="0">
+              <a:rPr lang="en-US" sz="1600" dirty="0">
                 <a:solidFill>
                   <a:schemeClr val="bg1"/>
                 </a:solidFill>
@@ -5060,7 +5029,7 @@
               <a:t>:</a:t>
             </a:r>
             <a:r>
-              <a:rPr lang="en-US" sz="1600" dirty="0" err="1" smtClean="0">
+              <a:rPr lang="en-US" sz="1600" dirty="0" err="1">
                 <a:solidFill>
                   <a:schemeClr val="bg1"/>
                 </a:solidFill>
@@ -5307,7 +5276,7 @@
           <a:lstStyle/>
           <a:p>
             <a:r>
-              <a:rPr lang="en-US" sz="1400" dirty="0" err="1" smtClean="0">
+              <a:rPr lang="en-US" sz="1400" dirty="0" err="1">
                 <a:solidFill>
                   <a:schemeClr val="accent6">
                     <a:lumMod val="75000"/>
@@ -5317,7 +5286,7 @@
               <a:t>handleAddresssBookChangedEvent</a:t>
             </a:r>
             <a:r>
-              <a:rPr lang="en-US" sz="1400" dirty="0" smtClean="0">
+              <a:rPr lang="en-US" sz="1400" dirty="0">
                 <a:solidFill>
                   <a:schemeClr val="accent6">
                     <a:lumMod val="75000"/>
@@ -5326,13 +5295,6 @@
               </a:rPr>
               <a:t>()</a:t>
             </a:r>
-            <a:endParaRPr lang="en-US" sz="1400" dirty="0">
-              <a:solidFill>
-                <a:schemeClr val="accent6">
-                  <a:lumMod val="75000"/>
-                </a:schemeClr>
-              </a:solidFill>
-            </a:endParaRPr>
           </a:p>
         </p:txBody>
       </p:sp>
@@ -5417,7 +5379,7 @@
           <a:p>
             <a:pPr algn="ctr"/>
             <a:r>
-              <a:rPr lang="en-US" sz="1600" dirty="0" smtClean="0">
+              <a:rPr lang="en-US" sz="1600" dirty="0">
                 <a:solidFill>
                   <a:schemeClr val="bg1"/>
                 </a:solidFill>
@@ -5620,7 +5582,7 @@
           <a:lstStyle/>
           <a:p>
             <a:r>
-              <a:rPr lang="en-US" sz="1400" dirty="0" err="1" smtClean="0">
+              <a:rPr lang="en-US" sz="1400" dirty="0" err="1">
                 <a:solidFill>
                   <a:srgbClr val="00B050"/>
                 </a:solidFill>
@@ -5628,18 +5590,13 @@
               <a:t>handleAddresssBookChangedEvent</a:t>
             </a:r>
             <a:r>
-              <a:rPr lang="en-US" sz="1400" dirty="0" smtClean="0">
+              <a:rPr lang="en-US" sz="1400" dirty="0">
                 <a:solidFill>
                   <a:srgbClr val="00B050"/>
                 </a:solidFill>
               </a:rPr>
               <a:t>()</a:t>
             </a:r>
-            <a:endParaRPr lang="en-US" sz="1400" dirty="0">
-              <a:solidFill>
-                <a:srgbClr val="00B050"/>
-              </a:solidFill>
-            </a:endParaRPr>
           </a:p>
         </p:txBody>
       </p:sp>
@@ -5826,18 +5783,13 @@
           <a:p>
             <a:pPr algn="r"/>
             <a:r>
-              <a:rPr lang="en-US" sz="1400" dirty="0" smtClean="0">
+              <a:rPr lang="en-US" sz="1400" dirty="0">
                 <a:solidFill>
                   <a:srgbClr val="00B050"/>
                 </a:solidFill>
               </a:rPr>
               <a:t>Update status bar</a:t>
             </a:r>
-            <a:endParaRPr lang="en-US" sz="1400" dirty="0">
-              <a:solidFill>
-                <a:srgbClr val="00B050"/>
-              </a:solidFill>
-            </a:endParaRPr>
           </a:p>
         </p:txBody>
       </p:sp>
@@ -6027,7 +5979,7 @@
           <a:lstStyle/>
           <a:p>
             <a:r>
-              <a:rPr lang="en-US" sz="1400" dirty="0" smtClean="0">
+              <a:rPr lang="en-US" sz="1400" dirty="0">
                 <a:solidFill>
                   <a:schemeClr val="accent6">
                     <a:lumMod val="75000"/>
@@ -6037,7 +5989,7 @@
               <a:t>Save </a:t>
             </a:r>
             <a:br>
-              <a:rPr lang="en-US" sz="1400" dirty="0" smtClean="0">
+              <a:rPr lang="en-US" sz="1400" dirty="0">
                 <a:solidFill>
                   <a:schemeClr val="accent6">
                     <a:lumMod val="75000"/>
@@ -6046,7 +5998,7 @@
               </a:rPr>
             </a:br>
             <a:r>
-              <a:rPr lang="en-US" sz="1400" dirty="0" smtClean="0">
+              <a:rPr lang="en-US" sz="1400" dirty="0">
                 <a:solidFill>
                   <a:schemeClr val="accent6">
                     <a:lumMod val="75000"/>
@@ -6055,13 +6007,6 @@
               </a:rPr>
               <a:t>to file</a:t>
             </a:r>
-            <a:endParaRPr lang="en-US" sz="1400" dirty="0">
-              <a:solidFill>
-                <a:schemeClr val="accent6">
-                  <a:lumMod val="75000"/>
-                </a:schemeClr>
-              </a:solidFill>
-            </a:endParaRPr>
           </a:p>
         </p:txBody>
       </p:sp>

--- a/docs/diagrams/HighLevelSequenceDiagrams.pptx
+++ b/docs/diagrams/HighLevelSequenceDiagrams.pptx
@@ -175,7 +175,7 @@
             </a:lvl1pPr>
           </a:lstStyle>
           <a:p>
-            <a:endParaRPr lang="en-US"/>
+            <a:endParaRPr lang="en-US" dirty="0"/>
           </a:p>
         </p:txBody>
       </p:sp>
@@ -208,9 +208,9 @@
           <a:p>
             <a:fld id="{F5CC4B3F-88C1-4FFA-B1B6-F41C21DC6924}" type="datetimeFigureOut">
               <a:rPr lang="en-US" smtClean="0"/>
-              <a:t>3/6/2018</a:t>
+              <a:t>3/8/2018</a:t>
             </a:fld>
-            <a:endParaRPr lang="en-US"/>
+            <a:endParaRPr lang="en-US" dirty="0"/>
           </a:p>
         </p:txBody>
       </p:sp>
@@ -243,7 +243,7 @@
           <a:bodyPr vert="horz" lIns="91440" tIns="45720" rIns="91440" bIns="45720" rtlCol="0" anchor="ctr"/>
           <a:lstStyle/>
           <a:p>
-            <a:endParaRPr lang="en-US"/>
+            <a:endParaRPr lang="en-US" dirty="0"/>
           </a:p>
         </p:txBody>
       </p:sp>
@@ -333,7 +333,7 @@
             </a:lvl1pPr>
           </a:lstStyle>
           <a:p>
-            <a:endParaRPr lang="en-US"/>
+            <a:endParaRPr lang="en-US" dirty="0"/>
           </a:p>
         </p:txBody>
       </p:sp>
@@ -368,7 +368,7 @@
               <a:rPr lang="en-US" smtClean="0"/>
               <a:t>‹#›</a:t>
             </a:fld>
-            <a:endParaRPr lang="en-US"/>
+            <a:endParaRPr lang="en-US" dirty="0"/>
           </a:p>
         </p:txBody>
       </p:sp>
@@ -654,9 +654,9 @@
           <a:p>
             <a:fld id="{78C97017-6FC3-485B-9764-EAC9E56C1D49}" type="datetimeFigureOut">
               <a:rPr lang="en-US" smtClean="0"/>
-              <a:t>3/6/2018</a:t>
+              <a:t>3/8/2018</a:t>
             </a:fld>
-            <a:endParaRPr lang="en-US"/>
+            <a:endParaRPr lang="en-US" dirty="0"/>
           </a:p>
         </p:txBody>
       </p:sp>
@@ -675,7 +675,7 @@
           <a:bodyPr/>
           <a:lstStyle/>
           <a:p>
-            <a:endParaRPr lang="en-US"/>
+            <a:endParaRPr lang="en-US" dirty="0"/>
           </a:p>
         </p:txBody>
       </p:sp>
@@ -698,7 +698,7 @@
               <a:rPr lang="en-US" smtClean="0"/>
               <a:t>‹#›</a:t>
             </a:fld>
-            <a:endParaRPr lang="en-US"/>
+            <a:endParaRPr lang="en-US" dirty="0"/>
           </a:p>
         </p:txBody>
       </p:sp>
@@ -822,9 +822,9 @@
           <a:p>
             <a:fld id="{78C97017-6FC3-485B-9764-EAC9E56C1D49}" type="datetimeFigureOut">
               <a:rPr lang="en-US" smtClean="0"/>
-              <a:t>3/6/2018</a:t>
+              <a:t>3/8/2018</a:t>
             </a:fld>
-            <a:endParaRPr lang="en-US"/>
+            <a:endParaRPr lang="en-US" dirty="0"/>
           </a:p>
         </p:txBody>
       </p:sp>
@@ -843,7 +843,7 @@
           <a:bodyPr/>
           <a:lstStyle/>
           <a:p>
-            <a:endParaRPr lang="en-US"/>
+            <a:endParaRPr lang="en-US" dirty="0"/>
           </a:p>
         </p:txBody>
       </p:sp>
@@ -866,7 +866,7 @@
               <a:rPr lang="en-US" smtClean="0"/>
               <a:t>‹#›</a:t>
             </a:fld>
-            <a:endParaRPr lang="en-US"/>
+            <a:endParaRPr lang="en-US" dirty="0"/>
           </a:p>
         </p:txBody>
       </p:sp>
@@ -1000,9 +1000,9 @@
           <a:p>
             <a:fld id="{78C97017-6FC3-485B-9764-EAC9E56C1D49}" type="datetimeFigureOut">
               <a:rPr lang="en-US" smtClean="0"/>
-              <a:t>3/6/2018</a:t>
+              <a:t>3/8/2018</a:t>
             </a:fld>
-            <a:endParaRPr lang="en-US"/>
+            <a:endParaRPr lang="en-US" dirty="0"/>
           </a:p>
         </p:txBody>
       </p:sp>
@@ -1021,7 +1021,7 @@
           <a:bodyPr/>
           <a:lstStyle/>
           <a:p>
-            <a:endParaRPr lang="en-US"/>
+            <a:endParaRPr lang="en-US" dirty="0"/>
           </a:p>
         </p:txBody>
       </p:sp>
@@ -1044,7 +1044,7 @@
               <a:rPr lang="en-US" smtClean="0"/>
               <a:t>‹#›</a:t>
             </a:fld>
-            <a:endParaRPr lang="en-US"/>
+            <a:endParaRPr lang="en-US" dirty="0"/>
           </a:p>
         </p:txBody>
       </p:sp>
@@ -1168,9 +1168,9 @@
           <a:p>
             <a:fld id="{78C97017-6FC3-485B-9764-EAC9E56C1D49}" type="datetimeFigureOut">
               <a:rPr lang="en-US" smtClean="0"/>
-              <a:t>3/6/2018</a:t>
+              <a:t>3/8/2018</a:t>
             </a:fld>
-            <a:endParaRPr lang="en-US"/>
+            <a:endParaRPr lang="en-US" dirty="0"/>
           </a:p>
         </p:txBody>
       </p:sp>
@@ -1189,7 +1189,7 @@
           <a:bodyPr/>
           <a:lstStyle/>
           <a:p>
-            <a:endParaRPr lang="en-US"/>
+            <a:endParaRPr lang="en-US" dirty="0"/>
           </a:p>
         </p:txBody>
       </p:sp>
@@ -1212,7 +1212,7 @@
               <a:rPr lang="en-US" smtClean="0"/>
               <a:t>‹#›</a:t>
             </a:fld>
-            <a:endParaRPr lang="en-US"/>
+            <a:endParaRPr lang="en-US" dirty="0"/>
           </a:p>
         </p:txBody>
       </p:sp>
@@ -1413,9 +1413,9 @@
           <a:p>
             <a:fld id="{78C97017-6FC3-485B-9764-EAC9E56C1D49}" type="datetimeFigureOut">
               <a:rPr lang="en-US" smtClean="0"/>
-              <a:t>3/6/2018</a:t>
+              <a:t>3/8/2018</a:t>
             </a:fld>
-            <a:endParaRPr lang="en-US"/>
+            <a:endParaRPr lang="en-US" dirty="0"/>
           </a:p>
         </p:txBody>
       </p:sp>
@@ -1434,7 +1434,7 @@
           <a:bodyPr/>
           <a:lstStyle/>
           <a:p>
-            <a:endParaRPr lang="en-US"/>
+            <a:endParaRPr lang="en-US" dirty="0"/>
           </a:p>
         </p:txBody>
       </p:sp>
@@ -1457,7 +1457,7 @@
               <a:rPr lang="en-US" smtClean="0"/>
               <a:t>‹#›</a:t>
             </a:fld>
-            <a:endParaRPr lang="en-US"/>
+            <a:endParaRPr lang="en-US" dirty="0"/>
           </a:p>
         </p:txBody>
       </p:sp>
@@ -1698,9 +1698,9 @@
           <a:p>
             <a:fld id="{78C97017-6FC3-485B-9764-EAC9E56C1D49}" type="datetimeFigureOut">
               <a:rPr lang="en-US" smtClean="0"/>
-              <a:t>3/6/2018</a:t>
+              <a:t>3/8/2018</a:t>
             </a:fld>
-            <a:endParaRPr lang="en-US"/>
+            <a:endParaRPr lang="en-US" dirty="0"/>
           </a:p>
         </p:txBody>
       </p:sp>
@@ -1719,7 +1719,7 @@
           <a:bodyPr/>
           <a:lstStyle/>
           <a:p>
-            <a:endParaRPr lang="en-US"/>
+            <a:endParaRPr lang="en-US" dirty="0"/>
           </a:p>
         </p:txBody>
       </p:sp>
@@ -1742,7 +1742,7 @@
               <a:rPr lang="en-US" smtClean="0"/>
               <a:t>‹#›</a:t>
             </a:fld>
-            <a:endParaRPr lang="en-US"/>
+            <a:endParaRPr lang="en-US" dirty="0"/>
           </a:p>
         </p:txBody>
       </p:sp>
@@ -2117,9 +2117,9 @@
           <a:p>
             <a:fld id="{78C97017-6FC3-485B-9764-EAC9E56C1D49}" type="datetimeFigureOut">
               <a:rPr lang="en-US" smtClean="0"/>
-              <a:t>3/6/2018</a:t>
+              <a:t>3/8/2018</a:t>
             </a:fld>
-            <a:endParaRPr lang="en-US"/>
+            <a:endParaRPr lang="en-US" dirty="0"/>
           </a:p>
         </p:txBody>
       </p:sp>
@@ -2138,7 +2138,7 @@
           <a:bodyPr/>
           <a:lstStyle/>
           <a:p>
-            <a:endParaRPr lang="en-US"/>
+            <a:endParaRPr lang="en-US" dirty="0"/>
           </a:p>
         </p:txBody>
       </p:sp>
@@ -2161,7 +2161,7 @@
               <a:rPr lang="en-US" smtClean="0"/>
               <a:t>‹#›</a:t>
             </a:fld>
-            <a:endParaRPr lang="en-US"/>
+            <a:endParaRPr lang="en-US" dirty="0"/>
           </a:p>
         </p:txBody>
       </p:sp>
@@ -2234,9 +2234,9 @@
           <a:p>
             <a:fld id="{78C97017-6FC3-485B-9764-EAC9E56C1D49}" type="datetimeFigureOut">
               <a:rPr lang="en-US" smtClean="0"/>
-              <a:t>3/6/2018</a:t>
+              <a:t>3/8/2018</a:t>
             </a:fld>
-            <a:endParaRPr lang="en-US"/>
+            <a:endParaRPr lang="en-US" dirty="0"/>
           </a:p>
         </p:txBody>
       </p:sp>
@@ -2255,7 +2255,7 @@
           <a:bodyPr/>
           <a:lstStyle/>
           <a:p>
-            <a:endParaRPr lang="en-US"/>
+            <a:endParaRPr lang="en-US" dirty="0"/>
           </a:p>
         </p:txBody>
       </p:sp>
@@ -2278,7 +2278,7 @@
               <a:rPr lang="en-US" smtClean="0"/>
               <a:t>‹#›</a:t>
             </a:fld>
-            <a:endParaRPr lang="en-US"/>
+            <a:endParaRPr lang="en-US" dirty="0"/>
           </a:p>
         </p:txBody>
       </p:sp>
@@ -2329,9 +2329,9 @@
           <a:p>
             <a:fld id="{78C97017-6FC3-485B-9764-EAC9E56C1D49}" type="datetimeFigureOut">
               <a:rPr lang="en-US" smtClean="0"/>
-              <a:t>3/6/2018</a:t>
+              <a:t>3/8/2018</a:t>
             </a:fld>
-            <a:endParaRPr lang="en-US"/>
+            <a:endParaRPr lang="en-US" dirty="0"/>
           </a:p>
         </p:txBody>
       </p:sp>
@@ -2350,7 +2350,7 @@
           <a:bodyPr/>
           <a:lstStyle/>
           <a:p>
-            <a:endParaRPr lang="en-US"/>
+            <a:endParaRPr lang="en-US" dirty="0"/>
           </a:p>
         </p:txBody>
       </p:sp>
@@ -2373,7 +2373,7 @@
               <a:rPr lang="en-US" smtClean="0"/>
               <a:t>‹#›</a:t>
             </a:fld>
-            <a:endParaRPr lang="en-US"/>
+            <a:endParaRPr lang="en-US" dirty="0"/>
           </a:p>
         </p:txBody>
       </p:sp>
@@ -2604,9 +2604,9 @@
           <a:p>
             <a:fld id="{78C97017-6FC3-485B-9764-EAC9E56C1D49}" type="datetimeFigureOut">
               <a:rPr lang="en-US" smtClean="0"/>
-              <a:t>3/6/2018</a:t>
+              <a:t>3/8/2018</a:t>
             </a:fld>
-            <a:endParaRPr lang="en-US"/>
+            <a:endParaRPr lang="en-US" dirty="0"/>
           </a:p>
         </p:txBody>
       </p:sp>
@@ -2625,7 +2625,7 @@
           <a:bodyPr/>
           <a:lstStyle/>
           <a:p>
-            <a:endParaRPr lang="en-US"/>
+            <a:endParaRPr lang="en-US" dirty="0"/>
           </a:p>
         </p:txBody>
       </p:sp>
@@ -2648,7 +2648,7 @@
               <a:rPr lang="en-US" smtClean="0"/>
               <a:t>‹#›</a:t>
             </a:fld>
-            <a:endParaRPr lang="en-US"/>
+            <a:endParaRPr lang="en-US" dirty="0"/>
           </a:p>
         </p:txBody>
       </p:sp>
@@ -2770,7 +2770,7 @@
             </a:lvl9pPr>
           </a:lstStyle>
           <a:p>
-            <a:endParaRPr lang="en-US"/>
+            <a:endParaRPr lang="en-US" dirty="0"/>
           </a:p>
         </p:txBody>
       </p:sp>
@@ -2856,9 +2856,9 @@
           <a:p>
             <a:fld id="{78C97017-6FC3-485B-9764-EAC9E56C1D49}" type="datetimeFigureOut">
               <a:rPr lang="en-US" smtClean="0"/>
-              <a:t>3/6/2018</a:t>
+              <a:t>3/8/2018</a:t>
             </a:fld>
-            <a:endParaRPr lang="en-US"/>
+            <a:endParaRPr lang="en-US" dirty="0"/>
           </a:p>
         </p:txBody>
       </p:sp>
@@ -2877,7 +2877,7 @@
           <a:bodyPr/>
           <a:lstStyle/>
           <a:p>
-            <a:endParaRPr lang="en-US"/>
+            <a:endParaRPr lang="en-US" dirty="0"/>
           </a:p>
         </p:txBody>
       </p:sp>
@@ -2900,7 +2900,7 @@
               <a:rPr lang="en-US" smtClean="0"/>
               <a:t>‹#›</a:t>
             </a:fld>
-            <a:endParaRPr lang="en-US"/>
+            <a:endParaRPr lang="en-US" dirty="0"/>
           </a:p>
         </p:txBody>
       </p:sp>
@@ -3067,9 +3067,9 @@
           <a:p>
             <a:fld id="{78C97017-6FC3-485B-9764-EAC9E56C1D49}" type="datetimeFigureOut">
               <a:rPr lang="en-US" smtClean="0"/>
-              <a:t>3/6/2018</a:t>
+              <a:t>3/8/2018</a:t>
             </a:fld>
-            <a:endParaRPr lang="en-US"/>
+            <a:endParaRPr lang="en-US" dirty="0"/>
           </a:p>
         </p:txBody>
       </p:sp>
@@ -3106,7 +3106,7 @@
             </a:lvl1pPr>
           </a:lstStyle>
           <a:p>
-            <a:endParaRPr lang="en-US"/>
+            <a:endParaRPr lang="en-US" dirty="0"/>
           </a:p>
         </p:txBody>
       </p:sp>
@@ -3147,7 +3147,7 @@
               <a:rPr lang="en-US" smtClean="0"/>
               <a:t>‹#›</a:t>
             </a:fld>
-            <a:endParaRPr lang="en-US"/>
+            <a:endParaRPr lang="en-US" dirty="0"/>
           </a:p>
         </p:txBody>
       </p:sp>
@@ -3581,7 +3581,7 @@
           <a:lstStyle/>
           <a:p>
             <a:pPr algn="ctr"/>
-            <a:endParaRPr lang="en-SG" sz="1400">
+            <a:endParaRPr lang="en-SG" sz="1400" dirty="0">
               <a:solidFill>
                 <a:schemeClr val="dk1"/>
               </a:solidFill>
@@ -3648,7 +3648,7 @@
             <a:lstStyle/>
             <a:p>
               <a:pPr algn="ctr"/>
-              <a:endParaRPr lang="en-SG"/>
+              <a:endParaRPr lang="en-SG" dirty="0"/>
             </a:p>
           </p:txBody>
         </p:sp>
@@ -3765,7 +3765,7 @@
             <a:lstStyle/>
             <a:p>
               <a:pPr algn="ctr"/>
-              <a:endParaRPr lang="en-SG"/>
+              <a:endParaRPr lang="en-SG" dirty="0"/>
             </a:p>
           </p:txBody>
         </p:sp>
@@ -3945,7 +3945,7 @@
           <a:lstStyle/>
           <a:p>
             <a:pPr algn="ctr"/>
-            <a:endParaRPr lang="en-SG" sz="1400">
+            <a:endParaRPr lang="en-SG" sz="1400" dirty="0">
               <a:solidFill>
                 <a:schemeClr val="dk1"/>
               </a:solidFill>
@@ -4092,7 +4092,7 @@
           <a:lstStyle/>
           <a:p>
             <a:pPr algn="ctr"/>
-            <a:endParaRPr lang="en-SG" sz="1400">
+            <a:endParaRPr lang="en-SG" sz="1400" dirty="0">
               <a:solidFill>
                 <a:schemeClr val="dk1"/>
               </a:solidFill>
@@ -4293,20 +4293,12 @@
           <a:lstStyle/>
           <a:p>
             <a:r>
-              <a:rPr lang="en-US" sz="1400" dirty="0" err="1">
-                <a:solidFill>
-                  <a:srgbClr val="7030A0"/>
-                </a:solidFill>
-              </a:rPr>
-              <a:t>deleteCinema</a:t>
-            </a:r>
-            <a:r>
               <a:rPr lang="en-US" sz="1400" dirty="0">
                 <a:solidFill>
                   <a:srgbClr val="7030A0"/>
                 </a:solidFill>
               </a:rPr>
-              <a:t>(c)</a:t>
+              <a:t>deleteCinema(c)</a:t>
             </a:r>
           </a:p>
         </p:txBody>
@@ -4341,27 +4333,7 @@
                   </a:schemeClr>
                 </a:solidFill>
               </a:rPr>
-              <a:t>post(</a:t>
-            </a:r>
-            <a:r>
-              <a:rPr lang="en-US" sz="1400" dirty="0" err="1">
-                <a:solidFill>
-                  <a:schemeClr val="accent5">
-                    <a:lumMod val="75000"/>
-                  </a:schemeClr>
-                </a:solidFill>
-              </a:rPr>
-              <a:t>AddressBookChangedEvent</a:t>
-            </a:r>
-            <a:r>
-              <a:rPr lang="en-US" sz="1400" dirty="0">
-                <a:solidFill>
-                  <a:schemeClr val="accent5">
-                    <a:lumMod val="75000"/>
-                  </a:schemeClr>
-                </a:solidFill>
-              </a:rPr>
-              <a:t>)</a:t>
+              <a:t>post(AddressBookChangedEvent)</a:t>
             </a:r>
           </a:p>
         </p:txBody>
@@ -4533,15 +4505,7 @@
                   <a:schemeClr val="bg1"/>
                 </a:solidFill>
               </a:rPr>
-              <a:t>:</a:t>
-            </a:r>
-            <a:r>
-              <a:rPr lang="en-US" sz="1600" dirty="0" err="1">
-                <a:solidFill>
-                  <a:schemeClr val="bg1"/>
-                </a:solidFill>
-              </a:rPr>
-              <a:t>EventsCenter</a:t>
+              <a:t>:EventsCenter</a:t>
             </a:r>
             <a:endParaRPr lang="en-SG" sz="1600" dirty="0">
               <a:solidFill>
@@ -4637,7 +4601,7 @@
           <a:lstStyle/>
           <a:p>
             <a:pPr algn="ctr"/>
-            <a:endParaRPr lang="en-SG" sz="1400">
+            <a:endParaRPr lang="en-SG" sz="1400" dirty="0">
               <a:solidFill>
                 <a:schemeClr val="dk1"/>
               </a:solidFill>
@@ -4870,7 +4834,7 @@
           <a:lstStyle/>
           <a:p>
             <a:pPr algn="ctr"/>
-            <a:endParaRPr lang="en-SG" sz="1400">
+            <a:endParaRPr lang="en-SG" sz="1400" dirty="0">
               <a:solidFill>
                 <a:schemeClr val="dk1"/>
               </a:solidFill>
@@ -4908,27 +4872,7 @@
                   </a:schemeClr>
                 </a:solidFill>
               </a:rPr>
-              <a:t>post(</a:t>
-            </a:r>
-            <a:r>
-              <a:rPr lang="en-US" sz="1400" dirty="0" err="1">
-                <a:solidFill>
-                  <a:schemeClr val="accent5">
-                    <a:lumMod val="75000"/>
-                  </a:schemeClr>
-                </a:solidFill>
-              </a:rPr>
-              <a:t>AddressBookChangedEvent</a:t>
-            </a:r>
-            <a:r>
-              <a:rPr lang="en-US" sz="1400" dirty="0">
-                <a:solidFill>
-                  <a:schemeClr val="accent5">
-                    <a:lumMod val="75000"/>
-                  </a:schemeClr>
-                </a:solidFill>
-              </a:rPr>
-              <a:t>)</a:t>
+              <a:t>post(AddressBookChangedEvent)</a:t>
             </a:r>
           </a:p>
         </p:txBody>
@@ -5026,15 +4970,7 @@
                   <a:schemeClr val="bg1"/>
                 </a:solidFill>
               </a:rPr>
-              <a:t>:</a:t>
-            </a:r>
-            <a:r>
-              <a:rPr lang="en-US" sz="1600" dirty="0" err="1">
-                <a:solidFill>
-                  <a:schemeClr val="bg1"/>
-                </a:solidFill>
-              </a:rPr>
-              <a:t>EventsCenter</a:t>
+              <a:t>:EventsCenter</a:t>
             </a:r>
             <a:endParaRPr lang="en-SG" sz="1600" dirty="0">
               <a:solidFill>
@@ -5130,7 +5066,7 @@
           <a:lstStyle/>
           <a:p>
             <a:pPr algn="ctr"/>
-            <a:endParaRPr lang="en-SG" sz="1400">
+            <a:endParaRPr lang="en-SG" sz="1400" dirty="0">
               <a:solidFill>
                 <a:schemeClr val="dk1"/>
               </a:solidFill>
@@ -5276,16 +5212,6 @@
           <a:lstStyle/>
           <a:p>
             <a:r>
-              <a:rPr lang="en-US" sz="1400" dirty="0" err="1">
-                <a:solidFill>
-                  <a:schemeClr val="accent6">
-                    <a:lumMod val="75000"/>
-                  </a:schemeClr>
-                </a:solidFill>
-              </a:rPr>
-              <a:t>handleAddresssBookChangedEvent</a:t>
-            </a:r>
-            <a:r>
               <a:rPr lang="en-US" sz="1400" dirty="0">
                 <a:solidFill>
                   <a:schemeClr val="accent6">
@@ -5293,7 +5219,7 @@
                   </a:schemeClr>
                 </a:solidFill>
               </a:rPr>
-              <a:t>()</a:t>
+              <a:t>handleAddresssBookChangedEvent()</a:t>
             </a:r>
           </a:p>
         </p:txBody>
@@ -5474,7 +5400,7 @@
           <a:lstStyle/>
           <a:p>
             <a:pPr algn="ctr"/>
-            <a:endParaRPr lang="en-SG" sz="1400">
+            <a:endParaRPr lang="en-SG" sz="1400" dirty="0">
               <a:solidFill>
                 <a:schemeClr val="dk1"/>
               </a:solidFill>
@@ -5582,20 +5508,12 @@
           <a:lstStyle/>
           <a:p>
             <a:r>
-              <a:rPr lang="en-US" sz="1400" dirty="0" err="1">
-                <a:solidFill>
-                  <a:srgbClr val="00B050"/>
-                </a:solidFill>
-              </a:rPr>
-              <a:t>handleAddresssBookChangedEvent</a:t>
-            </a:r>
-            <a:r>
               <a:rPr lang="en-US" sz="1400" dirty="0">
                 <a:solidFill>
                   <a:srgbClr val="00B050"/>
                 </a:solidFill>
               </a:rPr>
-              <a:t>()</a:t>
+              <a:t>handleAddresssBookChangedEvent()</a:t>
             </a:r>
           </a:p>
         </p:txBody>
@@ -5703,7 +5621,7 @@
             <a:lstStyle/>
             <a:p>
               <a:pPr algn="ctr"/>
-              <a:endParaRPr lang="en-SG"/>
+              <a:endParaRPr lang="en-SG" dirty="0"/>
             </a:p>
           </p:txBody>
         </p:sp>
@@ -5750,7 +5668,7 @@
             <a:lstStyle/>
             <a:p>
               <a:pPr algn="ctr"/>
-              <a:endParaRPr lang="en-SG" sz="1400">
+              <a:endParaRPr lang="en-SG" sz="1400" dirty="0">
                 <a:solidFill>
                   <a:schemeClr val="dk1"/>
                 </a:solidFill>
@@ -5898,7 +5816,7 @@
             <a:lstStyle/>
             <a:p>
               <a:pPr algn="ctr"/>
-              <a:endParaRPr lang="en-SG"/>
+              <a:endParaRPr lang="en-SG" dirty="0"/>
             </a:p>
           </p:txBody>
         </p:sp>
@@ -5947,7 +5865,7 @@
             <a:lstStyle/>
             <a:p>
               <a:pPr algn="ctr"/>
-              <a:endParaRPr lang="en-SG" sz="1400">
+              <a:endParaRPr lang="en-SG" sz="1400" dirty="0">
                 <a:solidFill>
                   <a:schemeClr val="dk1"/>
                 </a:solidFill>

--- a/docs/diagrams/HighLevelSequenceDiagrams.pptx
+++ b/docs/diagrams/HighLevelSequenceDiagrams.pptx
@@ -208,7 +208,7 @@
           <a:p>
             <a:fld id="{F5CC4B3F-88C1-4FFA-B1B6-F41C21DC6924}" type="datetimeFigureOut">
               <a:rPr lang="en-US" smtClean="0"/>
-              <a:t>3/8/2018</a:t>
+              <a:t>3/14/2018</a:t>
             </a:fld>
             <a:endParaRPr lang="en-US" dirty="0"/>
           </a:p>
@@ -654,7 +654,7 @@
           <a:p>
             <a:fld id="{78C97017-6FC3-485B-9764-EAC9E56C1D49}" type="datetimeFigureOut">
               <a:rPr lang="en-US" smtClean="0"/>
-              <a:t>3/8/2018</a:t>
+              <a:t>3/14/2018</a:t>
             </a:fld>
             <a:endParaRPr lang="en-US" dirty="0"/>
           </a:p>
@@ -822,7 +822,7 @@
           <a:p>
             <a:fld id="{78C97017-6FC3-485B-9764-EAC9E56C1D49}" type="datetimeFigureOut">
               <a:rPr lang="en-US" smtClean="0"/>
-              <a:t>3/8/2018</a:t>
+              <a:t>3/14/2018</a:t>
             </a:fld>
             <a:endParaRPr lang="en-US" dirty="0"/>
           </a:p>
@@ -1000,7 +1000,7 @@
           <a:p>
             <a:fld id="{78C97017-6FC3-485B-9764-EAC9E56C1D49}" type="datetimeFigureOut">
               <a:rPr lang="en-US" smtClean="0"/>
-              <a:t>3/8/2018</a:t>
+              <a:t>3/14/2018</a:t>
             </a:fld>
             <a:endParaRPr lang="en-US" dirty="0"/>
           </a:p>
@@ -1168,7 +1168,7 @@
           <a:p>
             <a:fld id="{78C97017-6FC3-485B-9764-EAC9E56C1D49}" type="datetimeFigureOut">
               <a:rPr lang="en-US" smtClean="0"/>
-              <a:t>3/8/2018</a:t>
+              <a:t>3/14/2018</a:t>
             </a:fld>
             <a:endParaRPr lang="en-US" dirty="0"/>
           </a:p>
@@ -1413,7 +1413,7 @@
           <a:p>
             <a:fld id="{78C97017-6FC3-485B-9764-EAC9E56C1D49}" type="datetimeFigureOut">
               <a:rPr lang="en-US" smtClean="0"/>
-              <a:t>3/8/2018</a:t>
+              <a:t>3/14/2018</a:t>
             </a:fld>
             <a:endParaRPr lang="en-US" dirty="0"/>
           </a:p>
@@ -1698,7 +1698,7 @@
           <a:p>
             <a:fld id="{78C97017-6FC3-485B-9764-EAC9E56C1D49}" type="datetimeFigureOut">
               <a:rPr lang="en-US" smtClean="0"/>
-              <a:t>3/8/2018</a:t>
+              <a:t>3/14/2018</a:t>
             </a:fld>
             <a:endParaRPr lang="en-US" dirty="0"/>
           </a:p>
@@ -2117,7 +2117,7 @@
           <a:p>
             <a:fld id="{78C97017-6FC3-485B-9764-EAC9E56C1D49}" type="datetimeFigureOut">
               <a:rPr lang="en-US" smtClean="0"/>
-              <a:t>3/8/2018</a:t>
+              <a:t>3/14/2018</a:t>
             </a:fld>
             <a:endParaRPr lang="en-US" dirty="0"/>
           </a:p>
@@ -2234,7 +2234,7 @@
           <a:p>
             <a:fld id="{78C97017-6FC3-485B-9764-EAC9E56C1D49}" type="datetimeFigureOut">
               <a:rPr lang="en-US" smtClean="0"/>
-              <a:t>3/8/2018</a:t>
+              <a:t>3/14/2018</a:t>
             </a:fld>
             <a:endParaRPr lang="en-US" dirty="0"/>
           </a:p>
@@ -2329,7 +2329,7 @@
           <a:p>
             <a:fld id="{78C97017-6FC3-485B-9764-EAC9E56C1D49}" type="datetimeFigureOut">
               <a:rPr lang="en-US" smtClean="0"/>
-              <a:t>3/8/2018</a:t>
+              <a:t>3/14/2018</a:t>
             </a:fld>
             <a:endParaRPr lang="en-US" dirty="0"/>
           </a:p>
@@ -2604,7 +2604,7 @@
           <a:p>
             <a:fld id="{78C97017-6FC3-485B-9764-EAC9E56C1D49}" type="datetimeFigureOut">
               <a:rPr lang="en-US" smtClean="0"/>
-              <a:t>3/8/2018</a:t>
+              <a:t>3/14/2018</a:t>
             </a:fld>
             <a:endParaRPr lang="en-US" dirty="0"/>
           </a:p>
@@ -2856,7 +2856,7 @@
           <a:p>
             <a:fld id="{78C97017-6FC3-485B-9764-EAC9E56C1D49}" type="datetimeFigureOut">
               <a:rPr lang="en-US" smtClean="0"/>
-              <a:t>3/8/2018</a:t>
+              <a:t>3/14/2018</a:t>
             </a:fld>
             <a:endParaRPr lang="en-US" dirty="0"/>
           </a:p>
@@ -3067,7 +3067,7 @@
           <a:p>
             <a:fld id="{78C97017-6FC3-485B-9764-EAC9E56C1D49}" type="datetimeFigureOut">
               <a:rPr lang="en-US" smtClean="0"/>
-              <a:t>3/8/2018</a:t>
+              <a:t>3/14/2018</a:t>
             </a:fld>
             <a:endParaRPr lang="en-US" dirty="0"/>
           </a:p>
@@ -4312,7 +4312,7 @@
         <p:spPr>
           <a:xfrm>
             <a:off x="6074030" y="1687656"/>
-            <a:ext cx="2438400" cy="215444"/>
+            <a:ext cx="2438400" cy="430887"/>
           </a:xfrm>
           <a:prstGeom prst="rect">
             <a:avLst/>
@@ -4333,7 +4333,7 @@
                   </a:schemeClr>
                 </a:solidFill>
               </a:rPr>
-              <a:t>post(AddressBookChangedEvent)</a:t>
+              <a:t>post(MoviePlannerChangedEvent)</a:t>
             </a:r>
           </a:p>
         </p:txBody>
@@ -4872,7 +4872,7 @@
                   </a:schemeClr>
                 </a:solidFill>
               </a:rPr>
-              <a:t>post(AddressBookChangedEvent)</a:t>
+              <a:t>post(MoviePlannerChangedEvent)</a:t>
             </a:r>
           </a:p>
         </p:txBody>
@@ -5219,7 +5219,7 @@
                   </a:schemeClr>
                 </a:solidFill>
               </a:rPr>
-              <a:t>handleAddresssBookChangedEvent()</a:t>
+              <a:t>handleMoviePlannerChangedEvent()</a:t>
             </a:r>
           </a:p>
         </p:txBody>
@@ -5513,7 +5513,7 @@
                   <a:srgbClr val="00B050"/>
                 </a:solidFill>
               </a:rPr>
-              <a:t>handleAddresssBookChangedEvent()</a:t>
+              <a:t>handleMoviePlannerChangedEvent()</a:t>
             </a:r>
           </a:p>
         </p:txBody>

--- a/docs/diagrams/HighLevelSequenceDiagrams.pptx
+++ b/docs/diagrams/HighLevelSequenceDiagrams.pptx
@@ -126,6 +126,35 @@
 </p:presentation>
 </file>
 
+<file path=ppt/changesInfos/changesInfo1.xml><?xml version="1.0" encoding="utf-8"?>
+<pc:chgInfo xmlns:a="http://schemas.openxmlformats.org/drawingml/2006/main" xmlns:r="http://schemas.openxmlformats.org/officeDocument/2006/relationships" xmlns:ac="http://schemas.microsoft.com/office/drawing/2013/main/command" xmlns:pc="http://schemas.microsoft.com/office/powerpoint/2013/main/command">
+  <pc:docChgLst>
+    <pc:chgData name="Chan Jun Yuan" userId="30ea8f8e1118c6fe" providerId="LiveId" clId="{B3E7A0A9-8EF4-4EAE-9D4D-570AA9C8EEA8}"/>
+    <pc:docChg chg="modSld">
+      <pc:chgData name="Chan Jun Yuan" userId="30ea8f8e1118c6fe" providerId="LiveId" clId="{B3E7A0A9-8EF4-4EAE-9D4D-570AA9C8EEA8}" dt="2018-04-03T07:19:46.392" v="0" actId="1076"/>
+      <pc:docMkLst>
+        <pc:docMk/>
+      </pc:docMkLst>
+      <pc:sldChg chg="modSp">
+        <pc:chgData name="Chan Jun Yuan" userId="30ea8f8e1118c6fe" providerId="LiveId" clId="{B3E7A0A9-8EF4-4EAE-9D4D-570AA9C8EEA8}" dt="2018-04-03T07:19:46.392" v="0" actId="1076"/>
+        <pc:sldMkLst>
+          <pc:docMk/>
+          <pc:sldMk cId="4023378879" sldId="266"/>
+        </pc:sldMkLst>
+        <pc:cxnChg chg="mod">
+          <ac:chgData name="Chan Jun Yuan" userId="30ea8f8e1118c6fe" providerId="LiveId" clId="{B3E7A0A9-8EF4-4EAE-9D4D-570AA9C8EEA8}" dt="2018-04-03T07:19:46.392" v="0" actId="1076"/>
+          <ac:cxnSpMkLst>
+            <pc:docMk/>
+            <pc:sldMk cId="4023378879" sldId="266"/>
+            <ac:cxnSpMk id="34" creationId="{00000000-0000-0000-0000-000000000000}"/>
+          </ac:cxnSpMkLst>
+        </pc:cxnChg>
+      </pc:sldChg>
+    </pc:docChg>
+  </pc:docChgLst>
+</pc:chgInfo>
+</file>
+
 <file path=ppt/notesMasters/notesMaster1.xml><?xml version="1.0" encoding="utf-8"?>
 <p:notesMaster xmlns:a="http://schemas.openxmlformats.org/drawingml/2006/main" xmlns:r="http://schemas.openxmlformats.org/officeDocument/2006/relationships" xmlns:p="http://schemas.openxmlformats.org/presentationml/2006/main">
   <p:cSld>
@@ -208,7 +237,7 @@
           <a:p>
             <a:fld id="{F5CC4B3F-88C1-4FFA-B1B6-F41C21DC6924}" type="datetimeFigureOut">
               <a:rPr lang="en-US" smtClean="0"/>
-              <a:t>3/14/2018</a:t>
+              <a:t>4/3/2018</a:t>
             </a:fld>
             <a:endParaRPr lang="en-US" dirty="0"/>
           </a:p>
@@ -654,7 +683,7 @@
           <a:p>
             <a:fld id="{78C97017-6FC3-485B-9764-EAC9E56C1D49}" type="datetimeFigureOut">
               <a:rPr lang="en-US" smtClean="0"/>
-              <a:t>3/14/2018</a:t>
+              <a:t>4/3/2018</a:t>
             </a:fld>
             <a:endParaRPr lang="en-US" dirty="0"/>
           </a:p>
@@ -822,7 +851,7 @@
           <a:p>
             <a:fld id="{78C97017-6FC3-485B-9764-EAC9E56C1D49}" type="datetimeFigureOut">
               <a:rPr lang="en-US" smtClean="0"/>
-              <a:t>3/14/2018</a:t>
+              <a:t>4/3/2018</a:t>
             </a:fld>
             <a:endParaRPr lang="en-US" dirty="0"/>
           </a:p>
@@ -1000,7 +1029,7 @@
           <a:p>
             <a:fld id="{78C97017-6FC3-485B-9764-EAC9E56C1D49}" type="datetimeFigureOut">
               <a:rPr lang="en-US" smtClean="0"/>
-              <a:t>3/14/2018</a:t>
+              <a:t>4/3/2018</a:t>
             </a:fld>
             <a:endParaRPr lang="en-US" dirty="0"/>
           </a:p>
@@ -1168,7 +1197,7 @@
           <a:p>
             <a:fld id="{78C97017-6FC3-485B-9764-EAC9E56C1D49}" type="datetimeFigureOut">
               <a:rPr lang="en-US" smtClean="0"/>
-              <a:t>3/14/2018</a:t>
+              <a:t>4/3/2018</a:t>
             </a:fld>
             <a:endParaRPr lang="en-US" dirty="0"/>
           </a:p>
@@ -1413,7 +1442,7 @@
           <a:p>
             <a:fld id="{78C97017-6FC3-485B-9764-EAC9E56C1D49}" type="datetimeFigureOut">
               <a:rPr lang="en-US" smtClean="0"/>
-              <a:t>3/14/2018</a:t>
+              <a:t>4/3/2018</a:t>
             </a:fld>
             <a:endParaRPr lang="en-US" dirty="0"/>
           </a:p>
@@ -1698,7 +1727,7 @@
           <a:p>
             <a:fld id="{78C97017-6FC3-485B-9764-EAC9E56C1D49}" type="datetimeFigureOut">
               <a:rPr lang="en-US" smtClean="0"/>
-              <a:t>3/14/2018</a:t>
+              <a:t>4/3/2018</a:t>
             </a:fld>
             <a:endParaRPr lang="en-US" dirty="0"/>
           </a:p>
@@ -2117,7 +2146,7 @@
           <a:p>
             <a:fld id="{78C97017-6FC3-485B-9764-EAC9E56C1D49}" type="datetimeFigureOut">
               <a:rPr lang="en-US" smtClean="0"/>
-              <a:t>3/14/2018</a:t>
+              <a:t>4/3/2018</a:t>
             </a:fld>
             <a:endParaRPr lang="en-US" dirty="0"/>
           </a:p>
@@ -2234,7 +2263,7 @@
           <a:p>
             <a:fld id="{78C97017-6FC3-485B-9764-EAC9E56C1D49}" type="datetimeFigureOut">
               <a:rPr lang="en-US" smtClean="0"/>
-              <a:t>3/14/2018</a:t>
+              <a:t>4/3/2018</a:t>
             </a:fld>
             <a:endParaRPr lang="en-US" dirty="0"/>
           </a:p>
@@ -2329,7 +2358,7 @@
           <a:p>
             <a:fld id="{78C97017-6FC3-485B-9764-EAC9E56C1D49}" type="datetimeFigureOut">
               <a:rPr lang="en-US" smtClean="0"/>
-              <a:t>3/14/2018</a:t>
+              <a:t>4/3/2018</a:t>
             </a:fld>
             <a:endParaRPr lang="en-US" dirty="0"/>
           </a:p>
@@ -2604,7 +2633,7 @@
           <a:p>
             <a:fld id="{78C97017-6FC3-485B-9764-EAC9E56C1D49}" type="datetimeFigureOut">
               <a:rPr lang="en-US" smtClean="0"/>
-              <a:t>3/14/2018</a:t>
+              <a:t>4/3/2018</a:t>
             </a:fld>
             <a:endParaRPr lang="en-US" dirty="0"/>
           </a:p>
@@ -2856,7 +2885,7 @@
           <a:p>
             <a:fld id="{78C97017-6FC3-485B-9764-EAC9E56C1D49}" type="datetimeFigureOut">
               <a:rPr lang="en-US" smtClean="0"/>
-              <a:t>3/14/2018</a:t>
+              <a:t>4/3/2018</a:t>
             </a:fld>
             <a:endParaRPr lang="en-US" dirty="0"/>
           </a:p>
@@ -3067,7 +3096,7 @@
           <a:p>
             <a:fld id="{78C97017-6FC3-485B-9764-EAC9E56C1D49}" type="datetimeFigureOut">
               <a:rPr lang="en-US" smtClean="0"/>
-              <a:t>3/14/2018</a:t>
+              <a:t>4/3/2018</a:t>
             </a:fld>
             <a:endParaRPr lang="en-US" dirty="0"/>
           </a:p>
@@ -4346,7 +4375,7 @@
         </p:nvCxnSpPr>
         <p:spPr>
           <a:xfrm>
-            <a:off x="3954408" y="2190681"/>
+            <a:off x="3954408" y="2189802"/>
             <a:ext cx="1837184" cy="0"/>
           </a:xfrm>
           <a:prstGeom prst="straightConnector1">
